--- a/Présentation1.pptx
+++ b/Présentation1.pptx
@@ -128,6 +128,9 @@
           </p15:clr>
         </p15:guide>
       </p15:sldGuideLst>
+    </p:ext>
+    <p:ext uri="{2D200454-40CA-4A62-9FC3-DE9A4176ACB9}">
+      <p15:notesGuideLst xmlns:p15="http://schemas.microsoft.com/office/powerpoint/2012/main"/>
     </p:ext>
   </p:extLst>
 </p:presentation>
@@ -9646,13 +9649,13 @@
         </p:nvSpPr>
         <p:spPr>
           <a:xfrm>
-            <a:off x="838200" y="1825625"/>
-            <a:ext cx="10515600" cy="2024922"/>
+            <a:off x="838200" y="1530705"/>
+            <a:ext cx="10515600" cy="4575175"/>
           </a:xfrm>
         </p:spPr>
         <p:txBody>
           <a:bodyPr>
-            <a:normAutofit fontScale="70000" lnSpcReduction="20000"/>
+            <a:normAutofit/>
           </a:bodyPr>
           <a:lstStyle/>
           <a:p>
@@ -9682,15 +9685,7 @@
             </a:pPr>
             <a:r>
               <a:rPr lang="fr-BE" dirty="0"/>
-              <a:t>ADC for </a:t>
-            </a:r>
-            <a:r>
-              <a:rPr lang="fr-BE" dirty="0" err="1"/>
-              <a:t>sensors</a:t>
-            </a:r>
-            <a:r>
-              <a:rPr lang="fr-BE" dirty="0"/>
-              <a:t> data acquisition</a:t>
+              <a:t>An HDMI Input for the camera</a:t>
             </a:r>
           </a:p>
           <a:p>
@@ -9699,7 +9694,50 @@
                 <a:srgbClr val="FF9900"/>
               </a:buClr>
             </a:pPr>
-            <a:endParaRPr lang="fr-BE" dirty="0"/>
+            <a:r>
+              <a:rPr lang="fr-BE" dirty="0"/>
+              <a:t>A </a:t>
+            </a:r>
+            <a:r>
+              <a:rPr lang="fr-BE" dirty="0" err="1"/>
+              <a:t>wide</a:t>
+            </a:r>
+            <a:r>
+              <a:rPr lang="fr-BE" dirty="0"/>
+              <a:t> DC Voltage range to fit </a:t>
+            </a:r>
+            <a:r>
+              <a:rPr lang="fr-BE" dirty="0" err="1"/>
+              <a:t>with</a:t>
+            </a:r>
+            <a:r>
+              <a:rPr lang="fr-BE" dirty="0"/>
+              <a:t> the </a:t>
+            </a:r>
+            <a:r>
+              <a:rPr lang="fr-BE" dirty="0" err="1"/>
+              <a:t>battery</a:t>
+            </a:r>
+            <a:r>
+              <a:rPr lang="fr-BE" dirty="0"/>
+              <a:t> power (</a:t>
+            </a:r>
+            <a:r>
+              <a:rPr lang="fr-BE" dirty="0" err="1"/>
+              <a:t>see</a:t>
+            </a:r>
+            <a:r>
+              <a:rPr lang="fr-BE" dirty="0"/>
+              <a:t> </a:t>
+            </a:r>
+            <a:r>
+              <a:rPr lang="fr-BE" dirty="0" err="1"/>
+              <a:t>battery</a:t>
+            </a:r>
+            <a:r>
+              <a:rPr lang="fr-BE" dirty="0"/>
+              <a:t>).</a:t>
+            </a:r>
           </a:p>
           <a:p>
             <a:pPr lvl="1">
@@ -9709,15 +9747,55 @@
             </a:pPr>
             <a:r>
               <a:rPr lang="fr-BE" dirty="0"/>
-              <a:t>Communication </a:t>
+              <a:t>The </a:t>
             </a:r>
             <a:r>
               <a:rPr lang="fr-BE" dirty="0" err="1"/>
-              <a:t>with</a:t>
+              <a:t>connection</a:t>
             </a:r>
             <a:r>
               <a:rPr lang="fr-BE" dirty="0"/>
-              <a:t> the user (UART ?)</a:t>
+              <a:t> for the </a:t>
+            </a:r>
+            <a:r>
+              <a:rPr lang="fr-BE" dirty="0" err="1"/>
+              <a:t>sensor</a:t>
+            </a:r>
+            <a:r>
+              <a:rPr lang="fr-BE" dirty="0"/>
+              <a:t> and </a:t>
+            </a:r>
+            <a:r>
+              <a:rPr lang="fr-BE" dirty="0" err="1"/>
+              <a:t>sensor</a:t>
+            </a:r>
+            <a:r>
+              <a:rPr lang="fr-BE" dirty="0"/>
+              <a:t> </a:t>
+            </a:r>
+            <a:r>
+              <a:rPr lang="fr-BE" dirty="0" err="1"/>
+              <a:t>themself</a:t>
+            </a:r>
+            <a:r>
+              <a:rPr lang="fr-BE" dirty="0"/>
+              <a:t> (GPIO, </a:t>
+            </a:r>
+            <a:r>
+              <a:rPr lang="fr-BE" dirty="0" err="1"/>
+              <a:t>UART,Accelerometer</a:t>
+            </a:r>
+            <a:r>
+              <a:rPr lang="fr-BE" dirty="0"/>
+              <a:t>, </a:t>
+            </a:r>
+            <a:r>
+              <a:rPr lang="fr-BE" dirty="0" err="1"/>
+              <a:t>Magnetometer</a:t>
+            </a:r>
+            <a:r>
+              <a:rPr lang="fr-BE" dirty="0"/>
+              <a:t>,…)</a:t>
             </a:r>
           </a:p>
           <a:p>
@@ -9726,7 +9804,42 @@
                 <a:srgbClr val="FF9900"/>
               </a:buClr>
             </a:pPr>
-            <a:endParaRPr lang="fr-BE" dirty="0"/>
+            <a:r>
+              <a:rPr lang="fr-BE" dirty="0"/>
+              <a:t>Have a </a:t>
+            </a:r>
+            <a:r>
+              <a:rPr lang="fr-BE" dirty="0" err="1"/>
+              <a:t>low</a:t>
+            </a:r>
+            <a:r>
+              <a:rPr lang="fr-BE" dirty="0"/>
+              <a:t> power </a:t>
+            </a:r>
+            <a:r>
+              <a:rPr lang="fr-BE" dirty="0" err="1"/>
+              <a:t>consumption</a:t>
+            </a:r>
+            <a:r>
+              <a:rPr lang="fr-BE" dirty="0"/>
+              <a:t> (</a:t>
+            </a:r>
+            <a:r>
+              <a:rPr lang="fr-BE" dirty="0" err="1"/>
+              <a:t>see</a:t>
+            </a:r>
+            <a:r>
+              <a:rPr lang="fr-BE" dirty="0"/>
+              <a:t> </a:t>
+            </a:r>
+            <a:r>
+              <a:rPr lang="fr-BE" dirty="0" err="1"/>
+              <a:t>battery</a:t>
+            </a:r>
+            <a:r>
+              <a:rPr lang="fr-BE" dirty="0"/>
+              <a:t>)</a:t>
+            </a:r>
           </a:p>
           <a:p>
             <a:pPr lvl="1">
@@ -9736,15 +9849,31 @@
             </a:pPr>
             <a:r>
               <a:rPr lang="fr-BE" dirty="0"/>
-              <a:t>Control of the </a:t>
+              <a:t>A Wireless Communication support </a:t>
             </a:r>
             <a:r>
               <a:rPr lang="fr-BE" dirty="0" err="1"/>
-              <a:t>motors</a:t>
+              <a:t>with</a:t>
             </a:r>
             <a:r>
               <a:rPr lang="fr-BE" dirty="0"/>
               <a:t> </a:t>
+            </a:r>
+            <a:r>
+              <a:rPr lang="fr-BE" dirty="0" err="1"/>
+              <a:t>hight</a:t>
+            </a:r>
+            <a:r>
+              <a:rPr lang="fr-BE" dirty="0"/>
+              <a:t>-power-long-range (Mini-</a:t>
+            </a:r>
+            <a:r>
+              <a:rPr lang="fr-BE" dirty="0" err="1"/>
+              <a:t>PCIe</a:t>
+            </a:r>
+            <a:r>
+              <a:rPr lang="fr-BE" dirty="0"/>
+              <a:t>?)</a:t>
             </a:r>
           </a:p>
           <a:p>
@@ -9753,49 +9882,17 @@
                 <a:srgbClr val="FF9900"/>
               </a:buClr>
             </a:pPr>
-            <a:endParaRPr lang="fr-BE" dirty="0"/>
-          </a:p>
-          <a:p>
-            <a:pPr lvl="1">
-              <a:buClr>
-                <a:srgbClr val="FF9900"/>
-              </a:buClr>
-            </a:pPr>
             <a:r>
               <a:rPr lang="fr-BE" dirty="0"/>
-              <a:t>Conversion of input </a:t>
+              <a:t>Compatible port </a:t>
             </a:r>
             <a:r>
               <a:rPr lang="fr-BE" dirty="0" err="1"/>
-              <a:t>from</a:t>
+              <a:t>with</a:t>
             </a:r>
             <a:r>
               <a:rPr lang="fr-BE" dirty="0"/>
-              <a:t> </a:t>
-            </a:r>
-            <a:r>
-              <a:rPr lang="fr-BE" dirty="0" err="1"/>
-              <a:t>users</a:t>
-            </a:r>
-            <a:r>
-              <a:rPr lang="fr-BE" dirty="0"/>
-              <a:t> </a:t>
-            </a:r>
-            <a:r>
-              <a:rPr lang="fr-BE" dirty="0" err="1"/>
-              <a:t>into</a:t>
-            </a:r>
-            <a:r>
-              <a:rPr lang="fr-BE" dirty="0"/>
-              <a:t> correspondant </a:t>
-            </a:r>
-            <a:r>
-              <a:rPr lang="fr-BE" dirty="0" err="1"/>
-              <a:t>motors</a:t>
-            </a:r>
-            <a:r>
-              <a:rPr lang="fr-BE" dirty="0"/>
-              <a:t> rotation</a:t>
+              <a:t> the ESC.</a:t>
             </a:r>
           </a:p>
           <a:p>
@@ -9806,6 +9903,42 @@
               <a:buNone/>
             </a:pPr>
             <a:endParaRPr lang="fr-BE" dirty="0"/>
+          </a:p>
+          <a:p>
+            <a:pPr marL="457200" lvl="1" indent="0">
+              <a:buClr>
+                <a:srgbClr val="FF9900"/>
+              </a:buClr>
+              <a:buNone/>
+            </a:pPr>
+            <a:r>
+              <a:rPr lang="fr-BE" dirty="0" err="1"/>
+              <a:t>Idea</a:t>
+            </a:r>
+            <a:r>
+              <a:rPr lang="fr-BE" dirty="0"/>
+              <a:t> : </a:t>
+            </a:r>
+            <a:r>
+              <a:rPr lang="en-GB" dirty="0"/>
+              <a:t>Ventana GW5510 Rugged &amp; Industrial Single Board Computer</a:t>
+            </a:r>
+          </a:p>
+          <a:p>
+            <a:pPr marL="457200" lvl="1" indent="0">
+              <a:buClr>
+                <a:srgbClr val="FF9900"/>
+              </a:buClr>
+              <a:buNone/>
+            </a:pPr>
+            <a:r>
+              <a:rPr lang="fr-BE" sz="1600" dirty="0">
+                <a:solidFill>
+                  <a:srgbClr val="00B0F0"/>
+                </a:solidFill>
+              </a:rPr>
+              <a:t>https://www.gateworks.com/products/industrial-single-board-computers/imx6-single-board-computer-gateworks-ventana-family/gw5510-single-board-computer/</a:t>
+            </a:r>
           </a:p>
           <a:p>
             <a:pPr lvl="1">

--- a/Présentation1.pptx
+++ b/Présentation1.pptx
@@ -5,17 +5,20 @@
     <p:sldMasterId id="2147483648" r:id="rId1"/>
   </p:sldMasterIdLst>
   <p:handoutMasterIdLst>
-    <p:handoutMasterId r:id="rId10"/>
+    <p:handoutMasterId r:id="rId13"/>
   </p:handoutMasterIdLst>
   <p:sldIdLst>
     <p:sldId id="256" r:id="rId2"/>
     <p:sldId id="258" r:id="rId3"/>
     <p:sldId id="257" r:id="rId4"/>
-    <p:sldId id="259" r:id="rId5"/>
-    <p:sldId id="260" r:id="rId6"/>
-    <p:sldId id="261" r:id="rId7"/>
-    <p:sldId id="262" r:id="rId8"/>
-    <p:sldId id="263" r:id="rId9"/>
+    <p:sldId id="264" r:id="rId5"/>
+    <p:sldId id="259" r:id="rId6"/>
+    <p:sldId id="260" r:id="rId7"/>
+    <p:sldId id="261" r:id="rId8"/>
+    <p:sldId id="262" r:id="rId9"/>
+    <p:sldId id="263" r:id="rId10"/>
+    <p:sldId id="266" r:id="rId11"/>
+    <p:sldId id="265" r:id="rId12"/>
   </p:sldIdLst>
   <p:sldSz cx="12192000" cy="6858000"/>
   <p:notesSz cx="6858000" cy="9144000"/>
@@ -3676,7 +3679,7 @@
           <a:p>
             <a:fld id="{B09BAF60-FDC7-4786-B9FC-E880314432CC}" type="datetimeFigureOut">
               <a:rPr lang="en-GB" smtClean="0"/>
-              <a:t>10/12/2020</a:t>
+              <a:t>13/12/2020</a:t>
             </a:fld>
             <a:endParaRPr lang="en-GB"/>
           </a:p>
@@ -3920,7 +3923,7 @@
           <a:p>
             <a:fld id="{4503E47A-3273-4438-80C4-4A05C8C7201C}" type="datetimeFigureOut">
               <a:rPr lang="en-GB" smtClean="0"/>
-              <a:t>10/12/2020</a:t>
+              <a:t>13/12/2020</a:t>
             </a:fld>
             <a:endParaRPr lang="en-GB"/>
           </a:p>
@@ -4120,7 +4123,7 @@
           <a:p>
             <a:fld id="{4503E47A-3273-4438-80C4-4A05C8C7201C}" type="datetimeFigureOut">
               <a:rPr lang="en-GB" smtClean="0"/>
-              <a:t>10/12/2020</a:t>
+              <a:t>13/12/2020</a:t>
             </a:fld>
             <a:endParaRPr lang="en-GB"/>
           </a:p>
@@ -4330,7 +4333,7 @@
           <a:p>
             <a:fld id="{4503E47A-3273-4438-80C4-4A05C8C7201C}" type="datetimeFigureOut">
               <a:rPr lang="en-GB" smtClean="0"/>
-              <a:t>10/12/2020</a:t>
+              <a:t>13/12/2020</a:t>
             </a:fld>
             <a:endParaRPr lang="en-GB"/>
           </a:p>
@@ -4530,7 +4533,7 @@
           <a:p>
             <a:fld id="{4503E47A-3273-4438-80C4-4A05C8C7201C}" type="datetimeFigureOut">
               <a:rPr lang="en-GB" smtClean="0"/>
-              <a:t>10/12/2020</a:t>
+              <a:t>13/12/2020</a:t>
             </a:fld>
             <a:endParaRPr lang="en-GB"/>
           </a:p>
@@ -4806,7 +4809,7 @@
           <a:p>
             <a:fld id="{4503E47A-3273-4438-80C4-4A05C8C7201C}" type="datetimeFigureOut">
               <a:rPr lang="en-GB" smtClean="0"/>
-              <a:t>10/12/2020</a:t>
+              <a:t>13/12/2020</a:t>
             </a:fld>
             <a:endParaRPr lang="en-GB"/>
           </a:p>
@@ -5074,7 +5077,7 @@
           <a:p>
             <a:fld id="{4503E47A-3273-4438-80C4-4A05C8C7201C}" type="datetimeFigureOut">
               <a:rPr lang="en-GB" smtClean="0"/>
-              <a:t>10/12/2020</a:t>
+              <a:t>13/12/2020</a:t>
             </a:fld>
             <a:endParaRPr lang="en-GB"/>
           </a:p>
@@ -5489,7 +5492,7 @@
           <a:p>
             <a:fld id="{4503E47A-3273-4438-80C4-4A05C8C7201C}" type="datetimeFigureOut">
               <a:rPr lang="en-GB" smtClean="0"/>
-              <a:t>10/12/2020</a:t>
+              <a:t>13/12/2020</a:t>
             </a:fld>
             <a:endParaRPr lang="en-GB"/>
           </a:p>
@@ -5631,7 +5634,7 @@
           <a:p>
             <a:fld id="{4503E47A-3273-4438-80C4-4A05C8C7201C}" type="datetimeFigureOut">
               <a:rPr lang="en-GB" smtClean="0"/>
-              <a:t>10/12/2020</a:t>
+              <a:t>13/12/2020</a:t>
             </a:fld>
             <a:endParaRPr lang="en-GB"/>
           </a:p>
@@ -5744,7 +5747,7 @@
           <a:p>
             <a:fld id="{4503E47A-3273-4438-80C4-4A05C8C7201C}" type="datetimeFigureOut">
               <a:rPr lang="en-GB" smtClean="0"/>
-              <a:t>10/12/2020</a:t>
+              <a:t>13/12/2020</a:t>
             </a:fld>
             <a:endParaRPr lang="en-GB"/>
           </a:p>
@@ -6057,7 +6060,7 @@
           <a:p>
             <a:fld id="{4503E47A-3273-4438-80C4-4A05C8C7201C}" type="datetimeFigureOut">
               <a:rPr lang="en-GB" smtClean="0"/>
-              <a:t>10/12/2020</a:t>
+              <a:t>13/12/2020</a:t>
             </a:fld>
             <a:endParaRPr lang="en-GB"/>
           </a:p>
@@ -6346,7 +6349,7 @@
           <a:p>
             <a:fld id="{4503E47A-3273-4438-80C4-4A05C8C7201C}" type="datetimeFigureOut">
               <a:rPr lang="en-GB" smtClean="0"/>
-              <a:t>10/12/2020</a:t>
+              <a:t>13/12/2020</a:t>
             </a:fld>
             <a:endParaRPr lang="en-GB"/>
           </a:p>
@@ -6589,7 +6592,7 @@
           <a:p>
             <a:fld id="{4503E47A-3273-4438-80C4-4A05C8C7201C}" type="datetimeFigureOut">
               <a:rPr lang="en-GB" smtClean="0"/>
-              <a:t>10/12/2020</a:t>
+              <a:t>13/12/2020</a:t>
             </a:fld>
             <a:endParaRPr lang="en-GB"/>
           </a:p>
@@ -7268,6 +7271,813 @@
 </p:sld>
 </file>
 
+<file path=ppt/slides/slide10.xml><?xml version="1.0" encoding="utf-8"?>
+<p:sld xmlns:a="http://schemas.openxmlformats.org/drawingml/2006/main" xmlns:r="http://schemas.openxmlformats.org/officeDocument/2006/relationships" xmlns:p="http://schemas.openxmlformats.org/presentationml/2006/main">
+  <p:cSld>
+    <p:spTree>
+      <p:nvGrpSpPr>
+        <p:cNvPr id="1" name=""/>
+        <p:cNvGrpSpPr/>
+        <p:nvPr/>
+      </p:nvGrpSpPr>
+      <p:grpSpPr>
+        <a:xfrm>
+          <a:off x="0" y="0"/>
+          <a:ext cx="0" cy="0"/>
+          <a:chOff x="0" y="0"/>
+          <a:chExt cx="0" cy="0"/>
+        </a:xfrm>
+      </p:grpSpPr>
+      <p:sp>
+        <p:nvSpPr>
+          <p:cNvPr id="4" name="Rectangle 3">
+            <a:extLst>
+              <a:ext uri="{FF2B5EF4-FFF2-40B4-BE49-F238E27FC236}">
+                <a16:creationId xmlns:a16="http://schemas.microsoft.com/office/drawing/2014/main" id="{398EDAF3-98F2-4011-B708-70E6E050EE69}"/>
+              </a:ext>
+            </a:extLst>
+          </p:cNvPr>
+          <p:cNvSpPr/>
+          <p:nvPr/>
+        </p:nvSpPr>
+        <p:spPr>
+          <a:xfrm>
+            <a:off x="1" y="0"/>
+            <a:ext cx="12192000" cy="1501629"/>
+          </a:xfrm>
+          <a:prstGeom prst="rect">
+            <a:avLst/>
+          </a:prstGeom>
+          <a:solidFill>
+            <a:schemeClr val="accent6"/>
+          </a:solidFill>
+          <a:ln>
+            <a:noFill/>
+          </a:ln>
+        </p:spPr>
+        <p:style>
+          <a:lnRef idx="0">
+            <a:scrgbClr r="0" g="0" b="0"/>
+          </a:lnRef>
+          <a:fillRef idx="0">
+            <a:scrgbClr r="0" g="0" b="0"/>
+          </a:fillRef>
+          <a:effectRef idx="0">
+            <a:scrgbClr r="0" g="0" b="0"/>
+          </a:effectRef>
+          <a:fontRef idx="minor">
+            <a:schemeClr val="lt1"/>
+          </a:fontRef>
+        </p:style>
+        <p:txBody>
+          <a:bodyPr rtlCol="0" anchor="ctr"/>
+          <a:lstStyle/>
+          <a:p>
+            <a:pPr algn="ctr"/>
+            <a:endParaRPr lang="en-GB"/>
+          </a:p>
+        </p:txBody>
+      </p:sp>
+      <p:sp>
+        <p:nvSpPr>
+          <p:cNvPr id="2" name="Titre 1">
+            <a:extLst>
+              <a:ext uri="{FF2B5EF4-FFF2-40B4-BE49-F238E27FC236}">
+                <a16:creationId xmlns:a16="http://schemas.microsoft.com/office/drawing/2014/main" id="{D6C0A0EA-76A1-4396-8297-21D0250DCDBB}"/>
+              </a:ext>
+            </a:extLst>
+          </p:cNvPr>
+          <p:cNvSpPr>
+            <a:spLocks noGrp="1"/>
+          </p:cNvSpPr>
+          <p:nvPr>
+            <p:ph type="title"/>
+          </p:nvPr>
+        </p:nvSpPr>
+        <p:spPr/>
+        <p:txBody>
+          <a:bodyPr/>
+          <a:lstStyle/>
+          <a:p>
+            <a:r>
+              <a:rPr lang="fr-BE" b="1" dirty="0">
+                <a:solidFill>
+                  <a:schemeClr val="bg1"/>
+                </a:solidFill>
+              </a:rPr>
+              <a:t>Flight Controller</a:t>
+            </a:r>
+            <a:endParaRPr lang="en-GB" b="1" dirty="0">
+              <a:solidFill>
+                <a:schemeClr val="bg1"/>
+              </a:solidFill>
+            </a:endParaRPr>
+          </a:p>
+        </p:txBody>
+      </p:sp>
+      <p:sp>
+        <p:nvSpPr>
+          <p:cNvPr id="3" name="Espace réservé du contenu 2">
+            <a:extLst>
+              <a:ext uri="{FF2B5EF4-FFF2-40B4-BE49-F238E27FC236}">
+                <a16:creationId xmlns:a16="http://schemas.microsoft.com/office/drawing/2014/main" id="{7F07DA9F-57FA-4B6F-9873-45D49B4888C5}"/>
+              </a:ext>
+            </a:extLst>
+          </p:cNvPr>
+          <p:cNvSpPr>
+            <a:spLocks noGrp="1"/>
+          </p:cNvSpPr>
+          <p:nvPr>
+            <p:ph idx="1"/>
+          </p:nvPr>
+        </p:nvSpPr>
+        <p:spPr>
+          <a:xfrm>
+            <a:off x="838200" y="1530705"/>
+            <a:ext cx="10515600" cy="4575175"/>
+          </a:xfrm>
+        </p:spPr>
+        <p:txBody>
+          <a:bodyPr>
+            <a:normAutofit/>
+          </a:bodyPr>
+          <a:lstStyle/>
+          <a:p>
+            <a:pPr lvl="1">
+              <a:buClr>
+                <a:srgbClr val="FF9900"/>
+              </a:buClr>
+            </a:pPr>
+            <a:r>
+              <a:rPr lang="fr-BE" dirty="0"/>
+              <a:t>Flight </a:t>
+            </a:r>
+            <a:r>
+              <a:rPr lang="fr-BE" dirty="0" err="1"/>
+              <a:t>controller</a:t>
+            </a:r>
+            <a:r>
+              <a:rPr lang="fr-BE" dirty="0"/>
+              <a:t> manage the ESC :</a:t>
+            </a:r>
+          </a:p>
+          <a:p>
+            <a:pPr lvl="1">
+              <a:buClr>
+                <a:srgbClr val="FF9900"/>
+              </a:buClr>
+            </a:pPr>
+            <a:endParaRPr lang="fr-BE" dirty="0"/>
+          </a:p>
+          <a:p>
+            <a:pPr lvl="2">
+              <a:buClr>
+                <a:srgbClr val="FF9900"/>
+              </a:buClr>
+            </a:pPr>
+            <a:r>
+              <a:rPr lang="fr-BE" dirty="0" err="1"/>
+              <a:t>Take</a:t>
+            </a:r>
+            <a:r>
+              <a:rPr lang="fr-BE" dirty="0"/>
+              <a:t> the </a:t>
+            </a:r>
+            <a:r>
+              <a:rPr lang="fr-BE" dirty="0" err="1"/>
+              <a:t>wireless</a:t>
+            </a:r>
+            <a:r>
+              <a:rPr lang="fr-BE" dirty="0"/>
+              <a:t> input </a:t>
+            </a:r>
+            <a:r>
+              <a:rPr lang="fr-BE" dirty="0" err="1"/>
+              <a:t>from</a:t>
+            </a:r>
+            <a:r>
+              <a:rPr lang="fr-BE" dirty="0"/>
+              <a:t> the </a:t>
+            </a:r>
+            <a:r>
+              <a:rPr lang="fr-BE" dirty="0" err="1"/>
+              <a:t>remote</a:t>
+            </a:r>
+            <a:r>
+              <a:rPr lang="fr-BE" dirty="0"/>
+              <a:t> control (or computer) and </a:t>
+            </a:r>
+            <a:r>
+              <a:rPr lang="fr-BE" dirty="0" err="1"/>
+              <a:t>convert</a:t>
+            </a:r>
+            <a:r>
+              <a:rPr lang="fr-BE" dirty="0"/>
+              <a:t> </a:t>
+            </a:r>
+            <a:r>
+              <a:rPr lang="fr-BE" dirty="0" err="1"/>
+              <a:t>it</a:t>
+            </a:r>
+            <a:r>
+              <a:rPr lang="fr-BE" dirty="0"/>
+              <a:t> to the </a:t>
+            </a:r>
+            <a:r>
+              <a:rPr lang="fr-BE" dirty="0" err="1"/>
+              <a:t>appropriate</a:t>
+            </a:r>
+            <a:r>
+              <a:rPr lang="fr-BE" dirty="0"/>
+              <a:t> signal for the ESC</a:t>
+            </a:r>
+          </a:p>
+          <a:p>
+            <a:pPr lvl="2">
+              <a:buClr>
+                <a:srgbClr val="FF9900"/>
+              </a:buClr>
+            </a:pPr>
+            <a:endParaRPr lang="fr-BE" dirty="0"/>
+          </a:p>
+          <a:p>
+            <a:pPr lvl="2">
+              <a:buClr>
+                <a:srgbClr val="FF9900"/>
+              </a:buClr>
+            </a:pPr>
+            <a:r>
+              <a:rPr lang="fr-BE" dirty="0" err="1"/>
+              <a:t>Take</a:t>
+            </a:r>
+            <a:r>
+              <a:rPr lang="fr-BE" dirty="0"/>
+              <a:t> the </a:t>
+            </a:r>
+            <a:r>
+              <a:rPr lang="fr-BE" dirty="0" err="1"/>
+              <a:t>accelerometer</a:t>
+            </a:r>
+            <a:r>
+              <a:rPr lang="fr-BE" dirty="0"/>
+              <a:t> and gyroscope values and transmit the </a:t>
+            </a:r>
+            <a:r>
+              <a:rPr lang="fr-BE" dirty="0" err="1"/>
+              <a:t>appropriate</a:t>
+            </a:r>
+            <a:r>
+              <a:rPr lang="fr-BE" dirty="0"/>
+              <a:t> signal to the ESC for </a:t>
+            </a:r>
+            <a:r>
+              <a:rPr lang="fr-BE" dirty="0" err="1"/>
+              <a:t>stability</a:t>
+            </a:r>
+            <a:r>
+              <a:rPr lang="fr-BE" dirty="0"/>
+              <a:t> of the drone (</a:t>
+            </a:r>
+            <a:r>
+              <a:rPr lang="fr-BE" dirty="0" err="1"/>
+              <a:t>even</a:t>
+            </a:r>
+            <a:r>
+              <a:rPr lang="fr-BE" dirty="0"/>
+              <a:t> if </a:t>
+            </a:r>
+            <a:r>
+              <a:rPr lang="fr-BE" dirty="0" err="1"/>
+              <a:t>nothing</a:t>
+            </a:r>
+            <a:r>
+              <a:rPr lang="fr-BE" dirty="0"/>
+              <a:t> </a:t>
+            </a:r>
+            <a:r>
+              <a:rPr lang="fr-BE" dirty="0" err="1"/>
+              <a:t>comes</a:t>
+            </a:r>
+            <a:r>
+              <a:rPr lang="fr-BE" dirty="0"/>
+              <a:t> </a:t>
+            </a:r>
+            <a:r>
+              <a:rPr lang="fr-BE" dirty="0" err="1"/>
+              <a:t>from</a:t>
+            </a:r>
+            <a:r>
+              <a:rPr lang="fr-BE" dirty="0"/>
+              <a:t> the </a:t>
+            </a:r>
+            <a:r>
+              <a:rPr lang="fr-BE" dirty="0" err="1"/>
+              <a:t>remote</a:t>
+            </a:r>
+            <a:r>
+              <a:rPr lang="fr-BE" dirty="0"/>
+              <a:t> control).</a:t>
+            </a:r>
+          </a:p>
+          <a:p>
+            <a:pPr lvl="2">
+              <a:buClr>
+                <a:srgbClr val="FF9900"/>
+              </a:buClr>
+            </a:pPr>
+            <a:endParaRPr lang="fr-BE" dirty="0"/>
+          </a:p>
+          <a:p>
+            <a:pPr lvl="2">
+              <a:buClr>
+                <a:srgbClr val="FF9900"/>
+              </a:buClr>
+            </a:pPr>
+            <a:endParaRPr lang="fr-BE" dirty="0"/>
+          </a:p>
+          <a:p>
+            <a:pPr lvl="1">
+              <a:buClr>
+                <a:srgbClr val="FF9900"/>
+              </a:buClr>
+            </a:pPr>
+            <a:endParaRPr lang="fr-BE" dirty="0"/>
+          </a:p>
+          <a:p>
+            <a:pPr lvl="1">
+              <a:buClr>
+                <a:srgbClr val="FF9900"/>
+              </a:buClr>
+            </a:pPr>
+            <a:endParaRPr lang="fr-BE" dirty="0"/>
+          </a:p>
+          <a:p>
+            <a:pPr lvl="1">
+              <a:buClr>
+                <a:srgbClr val="FF9900"/>
+              </a:buClr>
+            </a:pPr>
+            <a:endParaRPr lang="fr-BE" dirty="0"/>
+          </a:p>
+          <a:p>
+            <a:pPr lvl="1">
+              <a:buClr>
+                <a:srgbClr val="FF9900"/>
+              </a:buClr>
+            </a:pPr>
+            <a:endParaRPr lang="fr-BE" dirty="0"/>
+          </a:p>
+          <a:p>
+            <a:pPr marL="457200" lvl="1" indent="0">
+              <a:buClr>
+                <a:srgbClr val="FF9900"/>
+              </a:buClr>
+              <a:buNone/>
+            </a:pPr>
+            <a:endParaRPr lang="fr-BE" dirty="0"/>
+          </a:p>
+          <a:p>
+            <a:pPr marL="457200" lvl="1" indent="0">
+              <a:buClr>
+                <a:srgbClr val="FF9900"/>
+              </a:buClr>
+              <a:buNone/>
+            </a:pPr>
+            <a:endParaRPr lang="en-GB" dirty="0"/>
+          </a:p>
+          <a:p>
+            <a:pPr lvl="1">
+              <a:buClr>
+                <a:srgbClr val="FF9900"/>
+              </a:buClr>
+            </a:pPr>
+            <a:endParaRPr lang="en-GB" dirty="0"/>
+          </a:p>
+          <a:p>
+            <a:pPr lvl="1"/>
+            <a:endParaRPr lang="fr-BE" dirty="0"/>
+          </a:p>
+        </p:txBody>
+      </p:sp>
+    </p:spTree>
+    <p:extLst>
+      <p:ext uri="{BB962C8B-B14F-4D97-AF65-F5344CB8AC3E}">
+        <p14:creationId xmlns:p14="http://schemas.microsoft.com/office/powerpoint/2010/main" val="3602271418"/>
+      </p:ext>
+    </p:extLst>
+  </p:cSld>
+  <p:clrMapOvr>
+    <a:masterClrMapping/>
+  </p:clrMapOvr>
+</p:sld>
+</file>
+
+<file path=ppt/slides/slide11.xml><?xml version="1.0" encoding="utf-8"?>
+<p:sld xmlns:a="http://schemas.openxmlformats.org/drawingml/2006/main" xmlns:r="http://schemas.openxmlformats.org/officeDocument/2006/relationships" xmlns:p="http://schemas.openxmlformats.org/presentationml/2006/main">
+  <p:cSld>
+    <p:spTree>
+      <p:nvGrpSpPr>
+        <p:cNvPr id="1" name=""/>
+        <p:cNvGrpSpPr/>
+        <p:nvPr/>
+      </p:nvGrpSpPr>
+      <p:grpSpPr>
+        <a:xfrm>
+          <a:off x="0" y="0"/>
+          <a:ext cx="0" cy="0"/>
+          <a:chOff x="0" y="0"/>
+          <a:chExt cx="0" cy="0"/>
+        </a:xfrm>
+      </p:grpSpPr>
+      <p:sp>
+        <p:nvSpPr>
+          <p:cNvPr id="4" name="Rectangle 3">
+            <a:extLst>
+              <a:ext uri="{FF2B5EF4-FFF2-40B4-BE49-F238E27FC236}">
+                <a16:creationId xmlns:a16="http://schemas.microsoft.com/office/drawing/2014/main" id="{398EDAF3-98F2-4011-B708-70E6E050EE69}"/>
+              </a:ext>
+            </a:extLst>
+          </p:cNvPr>
+          <p:cNvSpPr/>
+          <p:nvPr/>
+        </p:nvSpPr>
+        <p:spPr>
+          <a:xfrm>
+            <a:off x="1" y="0"/>
+            <a:ext cx="12192000" cy="1501629"/>
+          </a:xfrm>
+          <a:prstGeom prst="rect">
+            <a:avLst/>
+          </a:prstGeom>
+          <a:solidFill>
+            <a:srgbClr val="00B0F0"/>
+          </a:solidFill>
+          <a:ln>
+            <a:noFill/>
+          </a:ln>
+        </p:spPr>
+        <p:style>
+          <a:lnRef idx="2">
+            <a:schemeClr val="accent2">
+              <a:shade val="50000"/>
+            </a:schemeClr>
+          </a:lnRef>
+          <a:fillRef idx="1">
+            <a:schemeClr val="accent2"/>
+          </a:fillRef>
+          <a:effectRef idx="0">
+            <a:schemeClr val="accent2"/>
+          </a:effectRef>
+          <a:fontRef idx="minor">
+            <a:schemeClr val="lt1"/>
+          </a:fontRef>
+        </p:style>
+        <p:txBody>
+          <a:bodyPr rtlCol="0" anchor="ctr"/>
+          <a:lstStyle/>
+          <a:p>
+            <a:pPr algn="ctr"/>
+            <a:endParaRPr lang="en-GB"/>
+          </a:p>
+        </p:txBody>
+      </p:sp>
+      <p:sp>
+        <p:nvSpPr>
+          <p:cNvPr id="2" name="Titre 1">
+            <a:extLst>
+              <a:ext uri="{FF2B5EF4-FFF2-40B4-BE49-F238E27FC236}">
+                <a16:creationId xmlns:a16="http://schemas.microsoft.com/office/drawing/2014/main" id="{D6C0A0EA-76A1-4396-8297-21D0250DCDBB}"/>
+              </a:ext>
+            </a:extLst>
+          </p:cNvPr>
+          <p:cNvSpPr>
+            <a:spLocks noGrp="1"/>
+          </p:cNvSpPr>
+          <p:nvPr>
+            <p:ph type="title"/>
+          </p:nvPr>
+        </p:nvSpPr>
+        <p:spPr/>
+        <p:txBody>
+          <a:bodyPr/>
+          <a:lstStyle/>
+          <a:p>
+            <a:r>
+              <a:rPr lang="fr-BE" b="1" dirty="0">
+                <a:solidFill>
+                  <a:schemeClr val="bg1"/>
+                </a:solidFill>
+              </a:rPr>
+              <a:t>Structure</a:t>
+            </a:r>
+            <a:endParaRPr lang="en-GB" b="1" dirty="0">
+              <a:solidFill>
+                <a:schemeClr val="bg1"/>
+              </a:solidFill>
+            </a:endParaRPr>
+          </a:p>
+        </p:txBody>
+      </p:sp>
+      <p:sp>
+        <p:nvSpPr>
+          <p:cNvPr id="3" name="Espace réservé du contenu 2">
+            <a:extLst>
+              <a:ext uri="{FF2B5EF4-FFF2-40B4-BE49-F238E27FC236}">
+                <a16:creationId xmlns:a16="http://schemas.microsoft.com/office/drawing/2014/main" id="{7F07DA9F-57FA-4B6F-9873-45D49B4888C5}"/>
+              </a:ext>
+            </a:extLst>
+          </p:cNvPr>
+          <p:cNvSpPr>
+            <a:spLocks noGrp="1"/>
+          </p:cNvSpPr>
+          <p:nvPr>
+            <p:ph idx="1"/>
+          </p:nvPr>
+        </p:nvSpPr>
+        <p:spPr>
+          <a:xfrm>
+            <a:off x="838200" y="1825625"/>
+            <a:ext cx="10515600" cy="2024922"/>
+          </a:xfrm>
+        </p:spPr>
+        <p:txBody>
+          <a:bodyPr>
+            <a:normAutofit fontScale="77500" lnSpcReduction="20000"/>
+          </a:bodyPr>
+          <a:lstStyle/>
+          <a:p>
+            <a:pPr>
+              <a:buClr>
+                <a:srgbClr val="FF9900"/>
+              </a:buClr>
+            </a:pPr>
+            <a:r>
+              <a:rPr lang="fr-BE" dirty="0"/>
+              <a:t>The structure must </a:t>
+            </a:r>
+            <a:r>
+              <a:rPr lang="fr-BE" dirty="0" err="1"/>
+              <a:t>be</a:t>
+            </a:r>
+            <a:r>
+              <a:rPr lang="fr-BE" dirty="0"/>
+              <a:t> design to support the </a:t>
+            </a:r>
+            <a:r>
+              <a:rPr lang="fr-BE" dirty="0" err="1"/>
+              <a:t>motors</a:t>
+            </a:r>
+            <a:r>
+              <a:rPr lang="fr-BE" dirty="0"/>
+              <a:t> (</a:t>
+            </a:r>
+            <a:r>
+              <a:rPr lang="fr-BE" dirty="0" err="1"/>
+              <a:t>take</a:t>
+            </a:r>
+            <a:r>
+              <a:rPr lang="fr-BE" dirty="0"/>
+              <a:t> </a:t>
+            </a:r>
+            <a:r>
+              <a:rPr lang="fr-BE" dirty="0" err="1"/>
+              <a:t>into</a:t>
+            </a:r>
+            <a:r>
+              <a:rPr lang="fr-BE" dirty="0"/>
+              <a:t> </a:t>
+            </a:r>
+            <a:r>
+              <a:rPr lang="fr-BE" dirty="0" err="1"/>
+              <a:t>account</a:t>
+            </a:r>
+            <a:r>
+              <a:rPr lang="fr-BE" dirty="0"/>
+              <a:t> the distance of the </a:t>
+            </a:r>
+            <a:r>
+              <a:rPr lang="fr-BE" dirty="0" err="1"/>
+              <a:t>motors</a:t>
+            </a:r>
+            <a:r>
+              <a:rPr lang="fr-BE" dirty="0"/>
+              <a:t> </a:t>
+            </a:r>
+            <a:r>
+              <a:rPr lang="fr-BE" dirty="0" err="1"/>
+              <a:t>from</a:t>
+            </a:r>
+            <a:r>
+              <a:rPr lang="fr-BE" dirty="0"/>
+              <a:t> the center of the drone)</a:t>
+            </a:r>
+          </a:p>
+          <a:p>
+            <a:pPr>
+              <a:buClr>
+                <a:srgbClr val="FF9900"/>
+              </a:buClr>
+            </a:pPr>
+            <a:r>
+              <a:rPr lang="fr-BE" dirty="0"/>
+              <a:t>To support all the </a:t>
+            </a:r>
+            <a:r>
+              <a:rPr lang="fr-BE" dirty="0" err="1"/>
+              <a:t>battery</a:t>
+            </a:r>
+            <a:r>
+              <a:rPr lang="fr-BE" dirty="0"/>
+              <a:t> pack and the </a:t>
+            </a:r>
+            <a:r>
+              <a:rPr lang="fr-BE" dirty="0" err="1"/>
+              <a:t>controller</a:t>
+            </a:r>
+            <a:endParaRPr lang="fr-BE" dirty="0"/>
+          </a:p>
+          <a:p>
+            <a:pPr>
+              <a:buClr>
+                <a:srgbClr val="FF9900"/>
+              </a:buClr>
+            </a:pPr>
+            <a:r>
+              <a:rPr lang="fr-BE" dirty="0"/>
+              <a:t>To support the camera and </a:t>
+            </a:r>
+            <a:r>
+              <a:rPr lang="fr-BE" dirty="0" err="1"/>
+              <a:t>eventually</a:t>
+            </a:r>
+            <a:r>
+              <a:rPr lang="fr-BE" dirty="0"/>
+              <a:t> </a:t>
+            </a:r>
+            <a:r>
+              <a:rPr lang="fr-BE" dirty="0" err="1"/>
+              <a:t>allowsd</a:t>
+            </a:r>
+            <a:r>
+              <a:rPr lang="fr-BE" dirty="0"/>
+              <a:t> the camera to move</a:t>
+            </a:r>
+          </a:p>
+          <a:p>
+            <a:pPr>
+              <a:buClr>
+                <a:srgbClr val="FF9900"/>
+              </a:buClr>
+            </a:pPr>
+            <a:r>
+              <a:rPr lang="fr-BE" dirty="0"/>
+              <a:t>Must </a:t>
+            </a:r>
+            <a:r>
+              <a:rPr lang="fr-BE" dirty="0" err="1"/>
+              <a:t>be</a:t>
+            </a:r>
+            <a:r>
+              <a:rPr lang="fr-BE" dirty="0"/>
+              <a:t> </a:t>
+            </a:r>
+            <a:r>
+              <a:rPr lang="fr-BE" dirty="0" err="1"/>
+              <a:t>strong</a:t>
+            </a:r>
+            <a:r>
+              <a:rPr lang="fr-BE" dirty="0"/>
+              <a:t> </a:t>
+            </a:r>
+            <a:r>
+              <a:rPr lang="fr-BE" dirty="0" err="1"/>
+              <a:t>enough</a:t>
+            </a:r>
+            <a:r>
+              <a:rPr lang="fr-BE" dirty="0"/>
+              <a:t> to </a:t>
+            </a:r>
+            <a:r>
+              <a:rPr lang="fr-BE" dirty="0" err="1"/>
+              <a:t>handle</a:t>
+            </a:r>
+            <a:r>
+              <a:rPr lang="fr-BE" dirty="0"/>
+              <a:t> chocs but </a:t>
+            </a:r>
+            <a:r>
+              <a:rPr lang="fr-BE" dirty="0" err="1"/>
+              <a:t>also</a:t>
+            </a:r>
+            <a:r>
+              <a:rPr lang="fr-BE" dirty="0"/>
+              <a:t> as light as </a:t>
+            </a:r>
+            <a:r>
+              <a:rPr lang="fr-BE" dirty="0" err="1"/>
+              <a:t>poissible</a:t>
+            </a:r>
+            <a:r>
+              <a:rPr lang="fr-BE" dirty="0"/>
+              <a:t>.</a:t>
+            </a:r>
+          </a:p>
+          <a:p>
+            <a:pPr>
+              <a:buClr>
+                <a:srgbClr val="FF9900"/>
+              </a:buClr>
+            </a:pPr>
+            <a:r>
+              <a:rPr lang="fr-BE" dirty="0"/>
+              <a:t>Multiple </a:t>
+            </a:r>
+            <a:r>
+              <a:rPr lang="fr-BE" dirty="0" err="1"/>
+              <a:t>pieces</a:t>
+            </a:r>
+            <a:r>
+              <a:rPr lang="fr-BE" dirty="0"/>
+              <a:t> ?</a:t>
+            </a:r>
+          </a:p>
+          <a:p>
+            <a:pPr lvl="1">
+              <a:buClr>
+                <a:srgbClr val="FF9900"/>
+              </a:buClr>
+            </a:pPr>
+            <a:endParaRPr lang="fr-BE" dirty="0"/>
+          </a:p>
+          <a:p>
+            <a:pPr lvl="1">
+              <a:buClr>
+                <a:srgbClr val="FF9900"/>
+              </a:buClr>
+            </a:pPr>
+            <a:endParaRPr lang="fr-BE" dirty="0"/>
+          </a:p>
+          <a:p>
+            <a:pPr lvl="1">
+              <a:buClr>
+                <a:srgbClr val="FF9900"/>
+              </a:buClr>
+            </a:pPr>
+            <a:endParaRPr lang="fr-BE" dirty="0"/>
+          </a:p>
+          <a:p>
+            <a:pPr lvl="1">
+              <a:buClr>
+                <a:srgbClr val="FF9900"/>
+              </a:buClr>
+            </a:pPr>
+            <a:endParaRPr lang="fr-BE" dirty="0"/>
+          </a:p>
+          <a:p>
+            <a:pPr marL="457200" lvl="1" indent="0">
+              <a:buClr>
+                <a:srgbClr val="FF9900"/>
+              </a:buClr>
+              <a:buNone/>
+            </a:pPr>
+            <a:endParaRPr lang="fr-BE" dirty="0"/>
+          </a:p>
+          <a:p>
+            <a:pPr marL="457200" lvl="1" indent="0">
+              <a:buClr>
+                <a:srgbClr val="FF9900"/>
+              </a:buClr>
+              <a:buNone/>
+            </a:pPr>
+            <a:endParaRPr lang="en-GB" dirty="0"/>
+          </a:p>
+          <a:p>
+            <a:pPr lvl="1">
+              <a:buClr>
+                <a:srgbClr val="FF9900"/>
+              </a:buClr>
+            </a:pPr>
+            <a:endParaRPr lang="en-GB" dirty="0"/>
+          </a:p>
+          <a:p>
+            <a:pPr lvl="1"/>
+            <a:endParaRPr lang="fr-BE" dirty="0"/>
+          </a:p>
+        </p:txBody>
+      </p:sp>
+    </p:spTree>
+    <p:extLst>
+      <p:ext uri="{BB962C8B-B14F-4D97-AF65-F5344CB8AC3E}">
+        <p14:creationId xmlns:p14="http://schemas.microsoft.com/office/powerpoint/2010/main" val="2548230454"/>
+      </p:ext>
+    </p:extLst>
+  </p:cSld>
+  <p:clrMapOvr>
+    <a:masterClrMapping/>
+  </p:clrMapOvr>
+</p:sld>
+</file>
+
 <file path=ppt/slides/slide2.xml><?xml version="1.0" encoding="utf-8"?>
 <p:sld xmlns:a="http://schemas.openxmlformats.org/drawingml/2006/main" xmlns:r="http://schemas.openxmlformats.org/officeDocument/2006/relationships" xmlns:p="http://schemas.openxmlformats.org/presentationml/2006/main">
   <p:cSld>
@@ -7405,7 +8215,12 @@
             <p:ph type="title"/>
           </p:nvPr>
         </p:nvSpPr>
-        <p:spPr/>
+        <p:spPr>
+          <a:xfrm>
+            <a:off x="563831" y="201484"/>
+            <a:ext cx="10515600" cy="1325563"/>
+          </a:xfrm>
+        </p:spPr>
         <p:txBody>
           <a:bodyPr/>
           <a:lstStyle/>
@@ -7752,6 +8567,286 @@
       </p:grpSpPr>
       <p:sp>
         <p:nvSpPr>
+          <p:cNvPr id="2" name="Titre 1">
+            <a:extLst>
+              <a:ext uri="{FF2B5EF4-FFF2-40B4-BE49-F238E27FC236}">
+                <a16:creationId xmlns:a16="http://schemas.microsoft.com/office/drawing/2014/main" id="{662F968B-BF99-49A0-926D-EB80385C2E5E}"/>
+              </a:ext>
+            </a:extLst>
+          </p:cNvPr>
+          <p:cNvSpPr>
+            <a:spLocks noGrp="1"/>
+          </p:cNvSpPr>
+          <p:nvPr>
+            <p:ph type="title"/>
+          </p:nvPr>
+        </p:nvSpPr>
+        <p:spPr/>
+        <p:txBody>
+          <a:bodyPr/>
+          <a:lstStyle/>
+          <a:p>
+            <a:r>
+              <a:rPr lang="fr-BE" dirty="0"/>
+              <a:t>List of </a:t>
+            </a:r>
+            <a:r>
+              <a:rPr lang="fr-BE" dirty="0" err="1"/>
+              <a:t>elements</a:t>
+            </a:r>
+            <a:r>
+              <a:rPr lang="fr-BE" dirty="0"/>
+              <a:t> </a:t>
+            </a:r>
+            <a:r>
+              <a:rPr lang="fr-BE" dirty="0" err="1"/>
+              <a:t>needed</a:t>
+            </a:r>
+            <a:endParaRPr lang="en-GB" dirty="0"/>
+          </a:p>
+        </p:txBody>
+      </p:sp>
+      <p:sp>
+        <p:nvSpPr>
+          <p:cNvPr id="3" name="Espace réservé du contenu 2">
+            <a:extLst>
+              <a:ext uri="{FF2B5EF4-FFF2-40B4-BE49-F238E27FC236}">
+                <a16:creationId xmlns:a16="http://schemas.microsoft.com/office/drawing/2014/main" id="{4D943962-A850-44A1-AD2E-E491953A093B}"/>
+              </a:ext>
+            </a:extLst>
+          </p:cNvPr>
+          <p:cNvSpPr>
+            <a:spLocks noGrp="1"/>
+          </p:cNvSpPr>
+          <p:nvPr>
+            <p:ph idx="1"/>
+          </p:nvPr>
+        </p:nvSpPr>
+        <p:spPr/>
+        <p:txBody>
+          <a:bodyPr>
+            <a:normAutofit/>
+          </a:bodyPr>
+          <a:lstStyle/>
+          <a:p>
+            <a:r>
+              <a:rPr lang="fr-BE" sz="1800" dirty="0"/>
+              <a:t>4 </a:t>
+            </a:r>
+            <a:r>
+              <a:rPr lang="fr-BE" sz="1800" dirty="0" err="1"/>
+              <a:t>brushless</a:t>
+            </a:r>
+            <a:r>
+              <a:rPr lang="fr-BE" sz="1800" dirty="0"/>
+              <a:t> </a:t>
+            </a:r>
+            <a:r>
+              <a:rPr lang="fr-BE" sz="1800" dirty="0" err="1"/>
+              <a:t>motors</a:t>
+            </a:r>
+            <a:endParaRPr lang="fr-BE" sz="1800" dirty="0"/>
+          </a:p>
+          <a:p>
+            <a:r>
+              <a:rPr lang="fr-BE" sz="1800" dirty="0"/>
+              <a:t>4 ESC (</a:t>
+            </a:r>
+            <a:r>
+              <a:rPr lang="fr-BE" sz="1800" dirty="0" err="1"/>
+              <a:t>Electronic</a:t>
+            </a:r>
+            <a:r>
+              <a:rPr lang="fr-BE" sz="1800" dirty="0"/>
+              <a:t> speed Controller)</a:t>
+            </a:r>
+          </a:p>
+          <a:p>
+            <a:r>
+              <a:rPr lang="fr-BE" sz="1800" dirty="0"/>
+              <a:t>1 </a:t>
+            </a:r>
+            <a:r>
+              <a:rPr lang="fr-BE" sz="1800" dirty="0" err="1"/>
+              <a:t>battery</a:t>
+            </a:r>
+            <a:endParaRPr lang="fr-BE" sz="1800" dirty="0"/>
+          </a:p>
+          <a:p>
+            <a:r>
+              <a:rPr lang="fr-BE" sz="1800" dirty="0"/>
+              <a:t>1 power distribution </a:t>
+            </a:r>
+            <a:r>
+              <a:rPr lang="fr-BE" sz="1800" dirty="0" err="1"/>
+              <a:t>board</a:t>
+            </a:r>
+            <a:r>
+              <a:rPr lang="fr-BE" sz="1800" dirty="0"/>
+              <a:t> (manage power </a:t>
+            </a:r>
+            <a:r>
+              <a:rPr lang="fr-BE" sz="1800" dirty="0" err="1"/>
+              <a:t>between</a:t>
+            </a:r>
+            <a:r>
+              <a:rPr lang="fr-BE" sz="1800" dirty="0"/>
+              <a:t> </a:t>
+            </a:r>
+            <a:r>
+              <a:rPr lang="fr-BE" sz="1800" dirty="0" err="1"/>
+              <a:t>motors</a:t>
+            </a:r>
+            <a:r>
+              <a:rPr lang="fr-BE" sz="1800" dirty="0"/>
+              <a:t> and </a:t>
+            </a:r>
+            <a:r>
+              <a:rPr lang="fr-BE" sz="1800" dirty="0" err="1"/>
+              <a:t>controller</a:t>
+            </a:r>
+            <a:r>
+              <a:rPr lang="fr-BE" sz="1800" dirty="0"/>
+              <a:t>)</a:t>
+            </a:r>
+          </a:p>
+          <a:p>
+            <a:r>
+              <a:rPr lang="fr-BE" sz="1800" dirty="0"/>
+              <a:t>1 Micro Controller (flight </a:t>
+            </a:r>
+            <a:r>
+              <a:rPr lang="fr-BE" sz="1800" dirty="0" err="1"/>
+              <a:t>controller</a:t>
+            </a:r>
+            <a:r>
+              <a:rPr lang="fr-BE" sz="1800" dirty="0"/>
+              <a:t>)</a:t>
+            </a:r>
+          </a:p>
+          <a:p>
+            <a:r>
+              <a:rPr lang="fr-BE" sz="1800" dirty="0"/>
+              <a:t>Camera</a:t>
+            </a:r>
+          </a:p>
+          <a:p>
+            <a:r>
+              <a:rPr lang="fr-BE" sz="1800" dirty="0"/>
+              <a:t>VTX </a:t>
+            </a:r>
+            <a:r>
+              <a:rPr lang="fr-BE" sz="1800" dirty="0" err="1"/>
+              <a:t>transmitter</a:t>
+            </a:r>
+            <a:r>
+              <a:rPr lang="fr-BE" sz="1800" dirty="0"/>
+              <a:t> (to </a:t>
+            </a:r>
+            <a:r>
+              <a:rPr lang="fr-BE" sz="1800" dirty="0" err="1"/>
+              <a:t>transmitt</a:t>
+            </a:r>
+            <a:r>
+              <a:rPr lang="fr-BE" sz="1800" dirty="0"/>
+              <a:t> the </a:t>
+            </a:r>
+            <a:r>
+              <a:rPr lang="fr-BE" sz="1800" dirty="0" err="1"/>
+              <a:t>feed</a:t>
+            </a:r>
+            <a:r>
+              <a:rPr lang="fr-BE" sz="1800" dirty="0"/>
+              <a:t> of the camera </a:t>
+            </a:r>
+            <a:r>
+              <a:rPr lang="fr-BE" sz="1800" dirty="0" err="1"/>
+              <a:t>wirelessly</a:t>
+            </a:r>
+            <a:r>
+              <a:rPr lang="fr-BE" sz="1800" dirty="0"/>
+              <a:t>) </a:t>
+            </a:r>
+          </a:p>
+          <a:p>
+            <a:r>
+              <a:rPr lang="fr-BE" sz="1800" dirty="0"/>
+              <a:t>Wireless </a:t>
+            </a:r>
+            <a:r>
+              <a:rPr lang="fr-BE" sz="1800" dirty="0" err="1"/>
+              <a:t>receiver</a:t>
+            </a:r>
+            <a:r>
+              <a:rPr lang="fr-BE" sz="1800" dirty="0"/>
+              <a:t> (if not </a:t>
+            </a:r>
+            <a:r>
+              <a:rPr lang="fr-BE" sz="1800" dirty="0" err="1"/>
+              <a:t>include</a:t>
+            </a:r>
+            <a:r>
+              <a:rPr lang="fr-BE" sz="1800" dirty="0"/>
+              <a:t> to the </a:t>
+            </a:r>
+            <a:r>
+              <a:rPr lang="fr-BE" sz="1800" dirty="0" err="1"/>
+              <a:t>board</a:t>
+            </a:r>
+            <a:r>
+              <a:rPr lang="fr-BE" sz="1800" dirty="0"/>
+              <a:t>)</a:t>
+            </a:r>
+          </a:p>
+          <a:p>
+            <a:r>
+              <a:rPr lang="fr-BE" sz="1800" dirty="0"/>
+              <a:t>All the structure </a:t>
+            </a:r>
+          </a:p>
+          <a:p>
+            <a:endParaRPr lang="fr-BE" sz="1800" dirty="0"/>
+          </a:p>
+          <a:p>
+            <a:endParaRPr lang="fr-BE" sz="1800" dirty="0"/>
+          </a:p>
+          <a:p>
+            <a:endParaRPr lang="fr-BE" sz="1800" dirty="0"/>
+          </a:p>
+        </p:txBody>
+      </p:sp>
+    </p:spTree>
+    <p:extLst>
+      <p:ext uri="{BB962C8B-B14F-4D97-AF65-F5344CB8AC3E}">
+        <p14:creationId xmlns:p14="http://schemas.microsoft.com/office/powerpoint/2010/main" val="1090011484"/>
+      </p:ext>
+    </p:extLst>
+  </p:cSld>
+  <p:clrMapOvr>
+    <a:masterClrMapping/>
+  </p:clrMapOvr>
+</p:sld>
+</file>
+
+<file path=ppt/slides/slide5.xml><?xml version="1.0" encoding="utf-8"?>
+<p:sld xmlns:a="http://schemas.openxmlformats.org/drawingml/2006/main" xmlns:r="http://schemas.openxmlformats.org/officeDocument/2006/relationships" xmlns:p="http://schemas.openxmlformats.org/presentationml/2006/main">
+  <p:cSld>
+    <p:spTree>
+      <p:nvGrpSpPr>
+        <p:cNvPr id="1" name=""/>
+        <p:cNvGrpSpPr/>
+        <p:nvPr/>
+      </p:nvGrpSpPr>
+      <p:grpSpPr>
+        <a:xfrm>
+          <a:off x="0" y="0"/>
+          <a:ext cx="0" cy="0"/>
+          <a:chOff x="0" y="0"/>
+          <a:chExt cx="0" cy="0"/>
+        </a:xfrm>
+      </p:grpSpPr>
+      <p:sp>
+        <p:nvSpPr>
           <p:cNvPr id="4" name="Rectangle 3">
             <a:extLst>
               <a:ext uri="{FF2B5EF4-FFF2-40B4-BE49-F238E27FC236}">
@@ -8063,7 +9158,7 @@
 </p:sld>
 </file>
 
-<file path=ppt/slides/slide5.xml><?xml version="1.0" encoding="utf-8"?>
+<file path=ppt/slides/slide6.xml><?xml version="1.0" encoding="utf-8"?>
 <p:sld xmlns:a="http://schemas.openxmlformats.org/drawingml/2006/main" xmlns:r="http://schemas.openxmlformats.org/officeDocument/2006/relationships" xmlns:p="http://schemas.openxmlformats.org/presentationml/2006/main">
   <p:cSld>
     <p:spTree>
@@ -8321,7 +9416,7 @@
 </p:sld>
 </file>
 
-<file path=ppt/slides/slide6.xml><?xml version="1.0" encoding="utf-8"?>
+<file path=ppt/slides/slide7.xml><?xml version="1.0" encoding="utf-8"?>
 <p:sld xmlns:a="http://schemas.openxmlformats.org/drawingml/2006/main" xmlns:r="http://schemas.openxmlformats.org/officeDocument/2006/relationships" xmlns:p="http://schemas.openxmlformats.org/presentationml/2006/main">
   <p:cSld>
     <p:spTree>
@@ -8872,7 +9967,7 @@
 </p:sld>
 </file>
 
-<file path=ppt/slides/slide7.xml><?xml version="1.0" encoding="utf-8"?>
+<file path=ppt/slides/slide8.xml><?xml version="1.0" encoding="utf-8"?>
 <p:sld xmlns:a="http://schemas.openxmlformats.org/drawingml/2006/main" xmlns:r="http://schemas.openxmlformats.org/officeDocument/2006/relationships" xmlns:p="http://schemas.openxmlformats.org/presentationml/2006/main">
   <p:cSld>
     <p:spTree>
@@ -9525,7 +10620,7 @@
 </p:sld>
 </file>
 
-<file path=ppt/slides/slide8.xml><?xml version="1.0" encoding="utf-8"?>
+<file path=ppt/slides/slide9.xml><?xml version="1.0" encoding="utf-8"?>
 <p:sld xmlns:a="http://schemas.openxmlformats.org/drawingml/2006/main" xmlns:r="http://schemas.openxmlformats.org/officeDocument/2006/relationships" xmlns:p="http://schemas.openxmlformats.org/presentationml/2006/main">
   <p:cSld>
     <p:spTree>
@@ -9563,23 +10658,21 @@
             <a:avLst/>
           </a:prstGeom>
           <a:solidFill>
-            <a:srgbClr val="00B0F0"/>
+            <a:schemeClr val="accent6"/>
           </a:solidFill>
           <a:ln>
             <a:noFill/>
           </a:ln>
         </p:spPr>
         <p:style>
-          <a:lnRef idx="2">
-            <a:schemeClr val="accent2">
-              <a:shade val="50000"/>
-            </a:schemeClr>
+          <a:lnRef idx="0">
+            <a:scrgbClr r="0" g="0" b="0"/>
           </a:lnRef>
-          <a:fillRef idx="1">
-            <a:schemeClr val="accent2"/>
+          <a:fillRef idx="0">
+            <a:scrgbClr r="0" g="0" b="0"/>
           </a:fillRef>
           <a:effectRef idx="0">
-            <a:schemeClr val="accent2"/>
+            <a:scrgbClr r="0" g="0" b="0"/>
           </a:effectRef>
           <a:fontRef idx="minor">
             <a:schemeClr val="lt1"/>
@@ -9921,7 +11014,7 @@
             </a:r>
             <a:r>
               <a:rPr lang="en-GB" dirty="0"/>
-              <a:t>Ventana GW5510 Rugged &amp; Industrial Single Board Computer</a:t>
+              <a:t>Ventana GW5510 Rugged &amp; Industrial Single Board Computer?</a:t>
             </a:r>
           </a:p>
           <a:p>

--- a/Présentation1.pptx
+++ b/Présentation1.pptx
@@ -5,7 +5,7 @@
     <p:sldMasterId id="2147483648" r:id="rId1"/>
   </p:sldMasterIdLst>
   <p:handoutMasterIdLst>
-    <p:handoutMasterId r:id="rId13"/>
+    <p:handoutMasterId r:id="rId14"/>
   </p:handoutMasterIdLst>
   <p:sldIdLst>
     <p:sldId id="256" r:id="rId2"/>
@@ -19,6 +19,7 @@
     <p:sldId id="263" r:id="rId10"/>
     <p:sldId id="266" r:id="rId11"/>
     <p:sldId id="265" r:id="rId12"/>
+    <p:sldId id="268" r:id="rId13"/>
   </p:sldIdLst>
   <p:sldSz cx="12192000" cy="6858000"/>
   <p:notesSz cx="6858000" cy="9144000"/>
@@ -3679,7 +3680,7 @@
           <a:p>
             <a:fld id="{B09BAF60-FDC7-4786-B9FC-E880314432CC}" type="datetimeFigureOut">
               <a:rPr lang="en-GB" smtClean="0"/>
-              <a:t>13/12/2020</a:t>
+              <a:t>14/12/2020</a:t>
             </a:fld>
             <a:endParaRPr lang="en-GB"/>
           </a:p>
@@ -3923,7 +3924,7 @@
           <a:p>
             <a:fld id="{4503E47A-3273-4438-80C4-4A05C8C7201C}" type="datetimeFigureOut">
               <a:rPr lang="en-GB" smtClean="0"/>
-              <a:t>13/12/2020</a:t>
+              <a:t>14/12/2020</a:t>
             </a:fld>
             <a:endParaRPr lang="en-GB"/>
           </a:p>
@@ -4123,7 +4124,7 @@
           <a:p>
             <a:fld id="{4503E47A-3273-4438-80C4-4A05C8C7201C}" type="datetimeFigureOut">
               <a:rPr lang="en-GB" smtClean="0"/>
-              <a:t>13/12/2020</a:t>
+              <a:t>14/12/2020</a:t>
             </a:fld>
             <a:endParaRPr lang="en-GB"/>
           </a:p>
@@ -4333,7 +4334,7 @@
           <a:p>
             <a:fld id="{4503E47A-3273-4438-80C4-4A05C8C7201C}" type="datetimeFigureOut">
               <a:rPr lang="en-GB" smtClean="0"/>
-              <a:t>13/12/2020</a:t>
+              <a:t>14/12/2020</a:t>
             </a:fld>
             <a:endParaRPr lang="en-GB"/>
           </a:p>
@@ -4533,7 +4534,7 @@
           <a:p>
             <a:fld id="{4503E47A-3273-4438-80C4-4A05C8C7201C}" type="datetimeFigureOut">
               <a:rPr lang="en-GB" smtClean="0"/>
-              <a:t>13/12/2020</a:t>
+              <a:t>14/12/2020</a:t>
             </a:fld>
             <a:endParaRPr lang="en-GB"/>
           </a:p>
@@ -4809,7 +4810,7 @@
           <a:p>
             <a:fld id="{4503E47A-3273-4438-80C4-4A05C8C7201C}" type="datetimeFigureOut">
               <a:rPr lang="en-GB" smtClean="0"/>
-              <a:t>13/12/2020</a:t>
+              <a:t>14/12/2020</a:t>
             </a:fld>
             <a:endParaRPr lang="en-GB"/>
           </a:p>
@@ -5077,7 +5078,7 @@
           <a:p>
             <a:fld id="{4503E47A-3273-4438-80C4-4A05C8C7201C}" type="datetimeFigureOut">
               <a:rPr lang="en-GB" smtClean="0"/>
-              <a:t>13/12/2020</a:t>
+              <a:t>14/12/2020</a:t>
             </a:fld>
             <a:endParaRPr lang="en-GB"/>
           </a:p>
@@ -5492,7 +5493,7 @@
           <a:p>
             <a:fld id="{4503E47A-3273-4438-80C4-4A05C8C7201C}" type="datetimeFigureOut">
               <a:rPr lang="en-GB" smtClean="0"/>
-              <a:t>13/12/2020</a:t>
+              <a:t>14/12/2020</a:t>
             </a:fld>
             <a:endParaRPr lang="en-GB"/>
           </a:p>
@@ -5634,7 +5635,7 @@
           <a:p>
             <a:fld id="{4503E47A-3273-4438-80C4-4A05C8C7201C}" type="datetimeFigureOut">
               <a:rPr lang="en-GB" smtClean="0"/>
-              <a:t>13/12/2020</a:t>
+              <a:t>14/12/2020</a:t>
             </a:fld>
             <a:endParaRPr lang="en-GB"/>
           </a:p>
@@ -5747,7 +5748,7 @@
           <a:p>
             <a:fld id="{4503E47A-3273-4438-80C4-4A05C8C7201C}" type="datetimeFigureOut">
               <a:rPr lang="en-GB" smtClean="0"/>
-              <a:t>13/12/2020</a:t>
+              <a:t>14/12/2020</a:t>
             </a:fld>
             <a:endParaRPr lang="en-GB"/>
           </a:p>
@@ -6060,7 +6061,7 @@
           <a:p>
             <a:fld id="{4503E47A-3273-4438-80C4-4A05C8C7201C}" type="datetimeFigureOut">
               <a:rPr lang="en-GB" smtClean="0"/>
-              <a:t>13/12/2020</a:t>
+              <a:t>14/12/2020</a:t>
             </a:fld>
             <a:endParaRPr lang="en-GB"/>
           </a:p>
@@ -6349,7 +6350,7 @@
           <a:p>
             <a:fld id="{4503E47A-3273-4438-80C4-4A05C8C7201C}" type="datetimeFigureOut">
               <a:rPr lang="en-GB" smtClean="0"/>
-              <a:t>13/12/2020</a:t>
+              <a:t>14/12/2020</a:t>
             </a:fld>
             <a:endParaRPr lang="en-GB"/>
           </a:p>
@@ -6592,7 +6593,7 @@
           <a:p>
             <a:fld id="{4503E47A-3273-4438-80C4-4A05C8C7201C}" type="datetimeFigureOut">
               <a:rPr lang="en-GB" smtClean="0"/>
-              <a:t>13/12/2020</a:t>
+              <a:t>14/12/2020</a:t>
             </a:fld>
             <a:endParaRPr lang="en-GB"/>
           </a:p>
@@ -7588,6 +7589,84 @@
             <a:endParaRPr lang="fr-BE" dirty="0"/>
           </a:p>
           <a:p>
+            <a:pPr marL="457200" lvl="1" indent="0">
+              <a:buClr>
+                <a:srgbClr val="FF9900"/>
+              </a:buClr>
+              <a:buNone/>
+            </a:pPr>
+            <a:r>
+              <a:rPr lang="fr-BE" dirty="0" err="1"/>
+              <a:t>Idea</a:t>
+            </a:r>
+            <a:r>
+              <a:rPr lang="fr-BE" dirty="0"/>
+              <a:t> : </a:t>
+            </a:r>
+            <a:r>
+              <a:rPr lang="en-GB" dirty="0"/>
+              <a:t>Ventana GW5510 Rugged &amp; Industrial Single Board Computer?</a:t>
+            </a:r>
+          </a:p>
+          <a:p>
+            <a:pPr marL="457200" lvl="1" indent="0">
+              <a:buClr>
+                <a:srgbClr val="FF9900"/>
+              </a:buClr>
+              <a:buNone/>
+            </a:pPr>
+            <a:r>
+              <a:rPr lang="fr-BE" sz="1600" dirty="0">
+                <a:solidFill>
+                  <a:srgbClr val="00B0F0"/>
+                </a:solidFill>
+                <a:hlinkClick r:id="rId2"/>
+              </a:rPr>
+              <a:t>https://www.gateworks.com/products/industrial-single-board-computers/imx6-single-board-computer-gateworks-ventana-family/gw5510-single-board-computer/</a:t>
+            </a:r>
+            <a:endParaRPr lang="fr-BE" sz="1600" dirty="0">
+              <a:solidFill>
+                <a:srgbClr val="00B0F0"/>
+              </a:solidFill>
+            </a:endParaRPr>
+          </a:p>
+          <a:p>
+            <a:pPr marL="457200" lvl="1" indent="0">
+              <a:buClr>
+                <a:srgbClr val="FF9900"/>
+              </a:buClr>
+              <a:buNone/>
+            </a:pPr>
+            <a:r>
+              <a:rPr lang="fr-BE" sz="1600" dirty="0"/>
+              <a:t>OR </a:t>
+            </a:r>
+            <a:r>
+              <a:rPr lang="fr-BE" sz="1600" dirty="0" err="1"/>
+              <a:t>Adruino</a:t>
+            </a:r>
+            <a:r>
+              <a:rPr lang="fr-BE" sz="1600" dirty="0"/>
+              <a:t> </a:t>
+            </a:r>
+            <a:r>
+              <a:rPr lang="fr-BE" sz="1600" dirty="0" err="1"/>
+              <a:t>Mega</a:t>
+            </a:r>
+            <a:r>
+              <a:rPr lang="fr-BE" sz="1600" dirty="0"/>
+              <a:t> 2560, Arduino Nano Clone, </a:t>
+            </a:r>
+            <a:r>
+              <a:rPr lang="fr-BE" sz="1600" dirty="0" err="1"/>
+              <a:t>Teensy</a:t>
+            </a:r>
+            <a:r>
+              <a:rPr lang="fr-BE" sz="1600" dirty="0"/>
+              <a:t> 3,1</a:t>
+            </a:r>
+          </a:p>
+          <a:p>
             <a:pPr lvl="2">
               <a:buClr>
                 <a:srgbClr val="FF9900"/>
@@ -7710,7 +7789,7 @@
             <a:avLst/>
           </a:prstGeom>
           <a:solidFill>
-            <a:srgbClr val="00B0F0"/>
+            <a:srgbClr val="7030A0"/>
           </a:solidFill>
           <a:ln>
             <a:noFill/>
@@ -7796,13 +7875,13 @@
         </p:nvSpPr>
         <p:spPr>
           <a:xfrm>
-            <a:off x="838200" y="1825625"/>
+            <a:off x="838200" y="1585928"/>
             <a:ext cx="10515600" cy="2024922"/>
           </a:xfrm>
         </p:spPr>
         <p:txBody>
           <a:bodyPr>
-            <a:normAutofit fontScale="77500" lnSpcReduction="20000"/>
+            <a:normAutofit fontScale="55000" lnSpcReduction="20000"/>
           </a:bodyPr>
           <a:lstStyle/>
           <a:p>
@@ -7971,15 +8050,7 @@
             </a:r>
             <a:r>
               <a:rPr lang="fr-BE" dirty="0"/>
-              <a:t> as light as </a:t>
-            </a:r>
-            <a:r>
-              <a:rPr lang="fr-BE" dirty="0" err="1"/>
-              <a:t>poissible</a:t>
-            </a:r>
-            <a:r>
-              <a:rPr lang="fr-BE" dirty="0"/>
-              <a:t>.</a:t>
+              <a:t> as light as possible.</a:t>
             </a:r>
           </a:p>
           <a:p>
@@ -7999,6 +8070,36 @@
             <a:r>
               <a:rPr lang="fr-BE" dirty="0"/>
               <a:t> ?</a:t>
+            </a:r>
+          </a:p>
+          <a:p>
+            <a:pPr>
+              <a:buClr>
+                <a:srgbClr val="FF9900"/>
+              </a:buClr>
+            </a:pPr>
+            <a:r>
+              <a:rPr lang="fr-BE" dirty="0"/>
+              <a:t>How to design the </a:t>
+            </a:r>
+            <a:r>
+              <a:rPr lang="fr-BE" dirty="0" err="1"/>
+              <a:t>propellers</a:t>
+            </a:r>
+            <a:r>
+              <a:rPr lang="fr-BE" dirty="0"/>
+              <a:t> ?</a:t>
+            </a:r>
+          </a:p>
+          <a:p>
+            <a:pPr>
+              <a:buClr>
+                <a:srgbClr val="FF9900"/>
+              </a:buClr>
+            </a:pPr>
+            <a:r>
+              <a:rPr lang="fr-BE" dirty="0"/>
+              <a:t>X configuration : more stable</a:t>
             </a:r>
           </a:p>
           <a:p>
@@ -8069,6 +8170,294 @@
     <p:extLst>
       <p:ext uri="{BB962C8B-B14F-4D97-AF65-F5344CB8AC3E}">
         <p14:creationId xmlns:p14="http://schemas.microsoft.com/office/powerpoint/2010/main" val="2548230454"/>
+      </p:ext>
+    </p:extLst>
+  </p:cSld>
+  <p:clrMapOvr>
+    <a:masterClrMapping/>
+  </p:clrMapOvr>
+</p:sld>
+</file>
+
+<file path=ppt/slides/slide12.xml><?xml version="1.0" encoding="utf-8"?>
+<p:sld xmlns:a="http://schemas.openxmlformats.org/drawingml/2006/main" xmlns:r="http://schemas.openxmlformats.org/officeDocument/2006/relationships" xmlns:p="http://schemas.openxmlformats.org/presentationml/2006/main">
+  <p:cSld>
+    <p:spTree>
+      <p:nvGrpSpPr>
+        <p:cNvPr id="1" name=""/>
+        <p:cNvGrpSpPr/>
+        <p:nvPr/>
+      </p:nvGrpSpPr>
+      <p:grpSpPr>
+        <a:xfrm>
+          <a:off x="0" y="0"/>
+          <a:ext cx="0" cy="0"/>
+          <a:chOff x="0" y="0"/>
+          <a:chExt cx="0" cy="0"/>
+        </a:xfrm>
+      </p:grpSpPr>
+      <p:sp>
+        <p:nvSpPr>
+          <p:cNvPr id="2" name="Titre 1">
+            <a:extLst>
+              <a:ext uri="{FF2B5EF4-FFF2-40B4-BE49-F238E27FC236}">
+                <a16:creationId xmlns:a16="http://schemas.microsoft.com/office/drawing/2014/main" id="{45F774E1-0963-4777-88B1-E0474F9452D8}"/>
+              </a:ext>
+            </a:extLst>
+          </p:cNvPr>
+          <p:cNvSpPr>
+            <a:spLocks noGrp="1"/>
+          </p:cNvSpPr>
+          <p:nvPr>
+            <p:ph type="title"/>
+          </p:nvPr>
+        </p:nvSpPr>
+        <p:spPr>
+          <a:xfrm>
+            <a:off x="838200" y="-265190"/>
+            <a:ext cx="10515600" cy="1325563"/>
+          </a:xfrm>
+        </p:spPr>
+        <p:txBody>
+          <a:bodyPr/>
+          <a:lstStyle/>
+          <a:p>
+            <a:r>
+              <a:rPr lang="fr-BE" dirty="0"/>
+              <a:t>To do</a:t>
+            </a:r>
+            <a:endParaRPr lang="en-GB" dirty="0"/>
+          </a:p>
+        </p:txBody>
+      </p:sp>
+      <p:sp>
+        <p:nvSpPr>
+          <p:cNvPr id="3" name="Espace réservé du contenu 2">
+            <a:extLst>
+              <a:ext uri="{FF2B5EF4-FFF2-40B4-BE49-F238E27FC236}">
+                <a16:creationId xmlns:a16="http://schemas.microsoft.com/office/drawing/2014/main" id="{C41516D8-E0E3-435F-988A-68DFC224C988}"/>
+              </a:ext>
+            </a:extLst>
+          </p:cNvPr>
+          <p:cNvSpPr>
+            <a:spLocks noGrp="1"/>
+          </p:cNvSpPr>
+          <p:nvPr>
+            <p:ph idx="1"/>
+          </p:nvPr>
+        </p:nvSpPr>
+        <p:spPr>
+          <a:xfrm>
+            <a:off x="838200" y="778060"/>
+            <a:ext cx="10515600" cy="4351338"/>
+          </a:xfrm>
+        </p:spPr>
+        <p:txBody>
+          <a:bodyPr>
+            <a:normAutofit lnSpcReduction="10000"/>
+          </a:bodyPr>
+          <a:lstStyle/>
+          <a:p>
+            <a:r>
+              <a:rPr lang="fr-BE" sz="1800" dirty="0"/>
+              <a:t>Hélices et moteurs : faire le lien entre la vitesse des moteurs et les forces de poussée des hélices. (modèle math + simulation). -&gt; </a:t>
+            </a:r>
+            <a:r>
+              <a:rPr lang="fr-BE" sz="1800" dirty="0">
+                <a:solidFill>
+                  <a:srgbClr val="FF0000"/>
+                </a:solidFill>
+              </a:rPr>
+              <a:t>Valentin</a:t>
+            </a:r>
+          </a:p>
+          <a:p>
+            <a:r>
+              <a:rPr lang="fr-BE" sz="1800" dirty="0"/>
+              <a:t>ESC et moteurs : liens entre l’input de l’ESC et le comportement des moteurs (tension, …) -&gt; </a:t>
+            </a:r>
+            <a:r>
+              <a:rPr lang="fr-BE" sz="1800" dirty="0">
+                <a:solidFill>
+                  <a:srgbClr val="00B050"/>
+                </a:solidFill>
+              </a:rPr>
+              <a:t>Florent</a:t>
+            </a:r>
+          </a:p>
+          <a:p>
+            <a:r>
+              <a:rPr lang="fr-BE" sz="1800" dirty="0"/>
+              <a:t>Importance et impact des forces de trainées sur la puissance des moteurs. -&gt; </a:t>
+            </a:r>
+            <a:r>
+              <a:rPr lang="fr-BE" sz="1800" dirty="0">
+                <a:solidFill>
+                  <a:srgbClr val="FF0000"/>
+                </a:solidFill>
+              </a:rPr>
+              <a:t>Valentin</a:t>
+            </a:r>
+          </a:p>
+          <a:p>
+            <a:r>
+              <a:rPr lang="fr-BE" sz="1800" dirty="0"/>
+              <a:t>Power distribution </a:t>
+            </a:r>
+            <a:r>
+              <a:rPr lang="fr-BE" sz="1800" dirty="0" err="1"/>
+              <a:t>board</a:t>
+            </a:r>
+            <a:r>
+              <a:rPr lang="fr-BE" sz="1800" dirty="0"/>
+              <a:t> (quels branchement + voir ce qui se fait (prix,…)) -&gt; </a:t>
+            </a:r>
+            <a:r>
+              <a:rPr lang="fr-BE" sz="1800" dirty="0">
+                <a:solidFill>
+                  <a:srgbClr val="FFC000"/>
+                </a:solidFill>
+              </a:rPr>
+              <a:t>Adrien</a:t>
+            </a:r>
+          </a:p>
+          <a:p>
+            <a:r>
+              <a:rPr lang="fr-BE" sz="1800" dirty="0"/>
+              <a:t>Caméra : se renseigner juste sur le poids de la caméra  + quelle type d’image il faut-&gt;  &lt;720p&gt; -&gt; </a:t>
+            </a:r>
+            <a:r>
+              <a:rPr lang="fr-BE" sz="1800" dirty="0">
+                <a:solidFill>
+                  <a:srgbClr val="FFC000"/>
+                </a:solidFill>
+              </a:rPr>
+              <a:t>Adrien</a:t>
+            </a:r>
+          </a:p>
+          <a:p>
+            <a:r>
+              <a:rPr lang="fr-BE" sz="1800" dirty="0"/>
+              <a:t>Accéléromètre : regarder ce qui est disponible, faut il filtrer ou non ? Quelle résolution ? Comment obtenir l’angle en fonction des données de l’accéléromètre. Gyroscope : pareil ^^ -&gt; </a:t>
+            </a:r>
+            <a:r>
+              <a:rPr lang="fr-BE" sz="1800" dirty="0">
+                <a:solidFill>
+                  <a:srgbClr val="00B050"/>
+                </a:solidFill>
+              </a:rPr>
+              <a:t>Florent</a:t>
+            </a:r>
+          </a:p>
+          <a:p>
+            <a:r>
+              <a:rPr lang="fr-BE" sz="1800" dirty="0"/>
+              <a:t>Flight Controller : trouver une </a:t>
+            </a:r>
+            <a:r>
+              <a:rPr lang="fr-BE" sz="1800" dirty="0" err="1"/>
+              <a:t>board</a:t>
+            </a:r>
+            <a:r>
+              <a:rPr lang="fr-BE" sz="1800" dirty="0"/>
+              <a:t> qui puisse faire ce dont on a besoin sans avoir trop d’élément avec. -&gt; </a:t>
+            </a:r>
+            <a:r>
+              <a:rPr lang="fr-BE" sz="1800" dirty="0">
+                <a:solidFill>
+                  <a:srgbClr val="FFC000"/>
+                </a:solidFill>
+              </a:rPr>
+              <a:t>Adrien</a:t>
+            </a:r>
+          </a:p>
+          <a:p>
+            <a:r>
+              <a:rPr lang="fr-BE" sz="1800" dirty="0"/>
+              <a:t>Communication : via wifi (clé wifi) : contrôle du flight </a:t>
+            </a:r>
+            <a:r>
+              <a:rPr lang="fr-BE" sz="1800" dirty="0" err="1"/>
+              <a:t>controler</a:t>
+            </a:r>
+            <a:r>
+              <a:rPr lang="fr-BE" sz="1800" dirty="0"/>
+              <a:t> + </a:t>
+            </a:r>
+            <a:r>
+              <a:rPr lang="fr-BE" sz="1800" dirty="0" err="1"/>
+              <a:t>stream</a:t>
+            </a:r>
+            <a:r>
+              <a:rPr lang="fr-BE" sz="1800" dirty="0"/>
+              <a:t> </a:t>
+            </a:r>
+            <a:r>
+              <a:rPr lang="fr-BE" sz="1800" dirty="0" err="1"/>
+              <a:t>video</a:t>
+            </a:r>
+            <a:r>
+              <a:rPr lang="fr-BE" sz="1800" dirty="0"/>
+              <a:t>. Quel matos est nécessaire ? Flux possible ? -&gt; </a:t>
+            </a:r>
+            <a:r>
+              <a:rPr lang="fr-BE" sz="1800" dirty="0">
+                <a:solidFill>
+                  <a:srgbClr val="00B050"/>
+                </a:solidFill>
+              </a:rPr>
+              <a:t>Florent - </a:t>
+            </a:r>
+            <a:r>
+              <a:rPr lang="fr-BE" sz="1800" dirty="0">
+                <a:solidFill>
+                  <a:srgbClr val="FFC000"/>
+                </a:solidFill>
+              </a:rPr>
+              <a:t>Adrien</a:t>
+            </a:r>
+          </a:p>
+          <a:p>
+            <a:r>
+              <a:rPr lang="fr-BE" sz="1800" dirty="0"/>
+              <a:t>Raspberry pi pour la modularité du drone (autre type de caméra, de capteurs,…) </a:t>
+            </a:r>
+          </a:p>
+          <a:p>
+            <a:r>
+              <a:rPr lang="fr-BE" sz="1800" dirty="0"/>
+              <a:t>Pour la structure : comment permettre à celle-ci d’être modulable? + forme et nombre de pièces. -&gt; </a:t>
+            </a:r>
+            <a:r>
+              <a:rPr lang="fr-BE" sz="1800" dirty="0">
+                <a:solidFill>
+                  <a:srgbClr val="FF0000"/>
+                </a:solidFill>
+              </a:rPr>
+              <a:t>Valentin</a:t>
+            </a:r>
+          </a:p>
+          <a:p>
+            <a:endParaRPr lang="fr-BE" sz="1800" dirty="0"/>
+          </a:p>
+          <a:p>
+            <a:endParaRPr lang="fr-BE" sz="1800" dirty="0"/>
+          </a:p>
+          <a:p>
+            <a:endParaRPr lang="fr-BE" sz="1800" dirty="0"/>
+          </a:p>
+          <a:p>
+            <a:endParaRPr lang="fr-BE" sz="1800" dirty="0"/>
+          </a:p>
+          <a:p>
+            <a:endParaRPr lang="en-GB" dirty="0"/>
+          </a:p>
+        </p:txBody>
+      </p:sp>
+    </p:spTree>
+    <p:extLst>
+      <p:ext uri="{BB962C8B-B14F-4D97-AF65-F5344CB8AC3E}">
+        <p14:creationId xmlns:p14="http://schemas.microsoft.com/office/powerpoint/2010/main" val="109899461"/>
       </p:ext>
     </p:extLst>
   </p:cSld>
@@ -8949,7 +9338,9 @@
         </p:nvSpPr>
         <p:spPr/>
         <p:txBody>
-          <a:bodyPr/>
+          <a:bodyPr>
+            <a:normAutofit lnSpcReduction="10000"/>
+          </a:bodyPr>
           <a:lstStyle/>
           <a:p>
             <a:pPr>
@@ -9128,6 +9519,49 @@
             <a:r>
               <a:rPr lang="fr-BE" dirty="0"/>
               <a:t> ?</a:t>
+            </a:r>
+          </a:p>
+          <a:p>
+            <a:pPr lvl="1">
+              <a:buClr>
+                <a:srgbClr val="FF9900"/>
+              </a:buClr>
+            </a:pPr>
+            <a:r>
+              <a:rPr lang="fr-BE" dirty="0" err="1"/>
+              <a:t>Porpeller</a:t>
+            </a:r>
+            <a:r>
+              <a:rPr lang="fr-BE" dirty="0"/>
+              <a:t> : must </a:t>
+            </a:r>
+            <a:r>
+              <a:rPr lang="fr-BE" dirty="0" err="1"/>
+              <a:t>be</a:t>
+            </a:r>
+            <a:r>
+              <a:rPr lang="fr-BE" dirty="0"/>
+              <a:t> </a:t>
+            </a:r>
+            <a:r>
+              <a:rPr lang="fr-BE" dirty="0" err="1"/>
+              <a:t>chosen</a:t>
+            </a:r>
+            <a:r>
+              <a:rPr lang="fr-BE" dirty="0"/>
+              <a:t> in </a:t>
+            </a:r>
+            <a:r>
+              <a:rPr lang="fr-BE" dirty="0" err="1"/>
+              <a:t>function</a:t>
+            </a:r>
+            <a:r>
+              <a:rPr lang="fr-BE" dirty="0"/>
+              <a:t> of the ESC and the </a:t>
+            </a:r>
+            <a:r>
+              <a:rPr lang="fr-BE" dirty="0" err="1"/>
+              <a:t>motor</a:t>
             </a:r>
             <a:endParaRPr lang="en-GB" dirty="0"/>
           </a:p>
@@ -9387,6 +9821,30 @@
               <a:rPr lang="fr-BE" dirty="0" err="1"/>
               <a:t>battery</a:t>
             </a:r>
+            <a:endParaRPr lang="fr-BE" dirty="0"/>
+          </a:p>
+          <a:p>
+            <a:pPr lvl="1">
+              <a:buClr>
+                <a:srgbClr val="FF9900"/>
+              </a:buClr>
+            </a:pPr>
+            <a:endParaRPr lang="fr-BE" dirty="0"/>
+          </a:p>
+          <a:p>
+            <a:pPr lvl="1">
+              <a:buClr>
+                <a:srgbClr val="FF9900"/>
+              </a:buClr>
+            </a:pPr>
+            <a:r>
+              <a:rPr lang="fr-BE" dirty="0"/>
+              <a:t>Power distribution </a:t>
+            </a:r>
+            <a:r>
+              <a:rPr lang="fr-BE" dirty="0" err="1"/>
+              <a:t>board</a:t>
+            </a:r>
             <a:endParaRPr lang="en-GB" dirty="0"/>
           </a:p>
           <a:p>
@@ -9447,7 +9905,7 @@
         </p:nvSpPr>
         <p:spPr>
           <a:xfrm>
-            <a:off x="1" y="0"/>
+            <a:off x="0" y="0"/>
             <a:ext cx="12192000" cy="1501629"/>
           </a:xfrm>
           <a:prstGeom prst="rect">
@@ -10194,7 +10652,7 @@
             </a:pPr>
             <a:r>
               <a:rPr lang="fr-BE" dirty="0" err="1"/>
-              <a:t>Altimeter</a:t>
+              <a:t>Barometre</a:t>
             </a:r>
             <a:r>
               <a:rPr lang="fr-BE" dirty="0"/>
@@ -10996,42 +11454,6 @@
               <a:buNone/>
             </a:pPr>
             <a:endParaRPr lang="fr-BE" dirty="0"/>
-          </a:p>
-          <a:p>
-            <a:pPr marL="457200" lvl="1" indent="0">
-              <a:buClr>
-                <a:srgbClr val="FF9900"/>
-              </a:buClr>
-              <a:buNone/>
-            </a:pPr>
-            <a:r>
-              <a:rPr lang="fr-BE" dirty="0" err="1"/>
-              <a:t>Idea</a:t>
-            </a:r>
-            <a:r>
-              <a:rPr lang="fr-BE" dirty="0"/>
-              <a:t> : </a:t>
-            </a:r>
-            <a:r>
-              <a:rPr lang="en-GB" dirty="0"/>
-              <a:t>Ventana GW5510 Rugged &amp; Industrial Single Board Computer?</a:t>
-            </a:r>
-          </a:p>
-          <a:p>
-            <a:pPr marL="457200" lvl="1" indent="0">
-              <a:buClr>
-                <a:srgbClr val="FF9900"/>
-              </a:buClr>
-              <a:buNone/>
-            </a:pPr>
-            <a:r>
-              <a:rPr lang="fr-BE" sz="1600" dirty="0">
-                <a:solidFill>
-                  <a:srgbClr val="00B0F0"/>
-                </a:solidFill>
-              </a:rPr>
-              <a:t>https://www.gateworks.com/products/industrial-single-board-computers/imx6-single-board-computer-gateworks-ventana-family/gw5510-single-board-computer/</a:t>
-            </a:r>
           </a:p>
           <a:p>
             <a:pPr lvl="1">
